--- a/diagram.pptx
+++ b/diagram.pptx
@@ -6,6 +6,8 @@
   </p:sldMasterIdLst>
   <p:sldIdLst>
     <p:sldId id="256" r:id="rId2"/>
+    <p:sldId id="257" r:id="rId3"/>
+    <p:sldId id="258" r:id="rId4"/>
   </p:sldIdLst>
   <p:sldSz cx="12192000" cy="6858000"/>
   <p:notesSz cx="6858000" cy="9144000"/>
@@ -104,6 +106,11 @@
       </a:defRPr>
     </a:lvl9pPr>
   </p:defaultTextStyle>
+  <p:extLst>
+    <p:ext uri="{EFAFB233-063F-42B5-8137-9DF3F51BA10A}">
+      <p15:sldGuideLst xmlns:p15="http://schemas.microsoft.com/office/powerpoint/2012/main"/>
+    </p:ext>
+  </p:extLst>
 </p:presentation>
 </file>
 
@@ -3010,8 +3017,8 @@
         </p:nvSpPr>
         <p:spPr>
           <a:xfrm>
-            <a:off x="6568750" y="970385"/>
-            <a:ext cx="2771191" cy="1800807"/>
+            <a:off x="6493483" y="843331"/>
+            <a:ext cx="3374417" cy="2181809"/>
           </a:xfrm>
           <a:prstGeom prst="cloud">
             <a:avLst/>
@@ -3038,18 +3045,14 @@
             <a:pPr algn="ctr"/>
             <a:r>
               <a:rPr lang="en-US" altLang="zh-TW" dirty="0" smtClean="0"/>
-              <a:t>API</a:t>
+              <a:t>	API SERVER</a:t>
             </a:r>
           </a:p>
           <a:p>
             <a:pPr algn="ctr"/>
             <a:r>
-              <a:rPr lang="en-US" altLang="zh-TW" dirty="0"/>
-              <a:t>(</a:t>
-            </a:r>
-            <a:r>
               <a:rPr lang="en-US" altLang="zh-TW" dirty="0" smtClean="0"/>
-              <a:t>Web APP)</a:t>
+              <a:t>	(Web APP)</a:t>
             </a:r>
             <a:endParaRPr lang="zh-TW" altLang="en-US" dirty="0"/>
           </a:p>
@@ -3293,10 +3296,1050 @@
           </a:p>
         </p:txBody>
       </p:sp>
+      <p:sp>
+        <p:nvSpPr>
+          <p:cNvPr id="12" name="圓角矩形 11"/>
+          <p:cNvSpPr/>
+          <p:nvPr/>
+        </p:nvSpPr>
+        <p:spPr>
+          <a:xfrm rot="16200000">
+            <a:off x="6920046" y="1544215"/>
+            <a:ext cx="1334278" cy="653143"/>
+          </a:xfrm>
+          <a:prstGeom prst="roundRect">
+            <a:avLst/>
+          </a:prstGeom>
+          <a:noFill/>
+          <a:ln>
+            <a:prstDash val="dash"/>
+          </a:ln>
+        </p:spPr>
+        <p:style>
+          <a:lnRef idx="2">
+            <a:schemeClr val="accent1"/>
+          </a:lnRef>
+          <a:fillRef idx="1">
+            <a:schemeClr val="lt1"/>
+          </a:fillRef>
+          <a:effectRef idx="0">
+            <a:schemeClr val="accent1"/>
+          </a:effectRef>
+          <a:fontRef idx="minor">
+            <a:schemeClr val="dk1"/>
+          </a:fontRef>
+        </p:style>
+        <p:txBody>
+          <a:bodyPr rtlCol="0" anchor="ctr"/>
+          <a:lstStyle/>
+          <a:p>
+            <a:pPr algn="ctr"/>
+            <a:r>
+              <a:rPr lang="en-US" altLang="zh-TW" dirty="0" smtClean="0"/>
+              <a:t>SDK</a:t>
+            </a:r>
+            <a:endParaRPr lang="zh-TW" altLang="en-US" dirty="0"/>
+          </a:p>
+        </p:txBody>
+      </p:sp>
     </p:spTree>
     <p:extLst>
       <p:ext uri="{BB962C8B-B14F-4D97-AF65-F5344CB8AC3E}">
         <p14:creationId xmlns:p14="http://schemas.microsoft.com/office/powerpoint/2010/main" val="4008221819"/>
+      </p:ext>
+    </p:extLst>
+  </p:cSld>
+  <p:clrMapOvr>
+    <a:masterClrMapping/>
+  </p:clrMapOvr>
+</p:sld>
+</file>
+
+<file path=ppt/slides/slide2.xml><?xml version="1.0" encoding="utf-8"?>
+<p:sld xmlns:a="http://schemas.openxmlformats.org/drawingml/2006/main" xmlns:r="http://schemas.openxmlformats.org/officeDocument/2006/relationships" xmlns:p="http://schemas.openxmlformats.org/presentationml/2006/main">
+  <p:cSld>
+    <p:spTree>
+      <p:nvGrpSpPr>
+        <p:cNvPr id="1" name=""/>
+        <p:cNvGrpSpPr/>
+        <p:nvPr/>
+      </p:nvGrpSpPr>
+      <p:grpSpPr>
+        <a:xfrm>
+          <a:off x="0" y="0"/>
+          <a:ext cx="0" cy="0"/>
+          <a:chOff x="0" y="0"/>
+          <a:chExt cx="0" cy="0"/>
+        </a:xfrm>
+      </p:grpSpPr>
+      <p:sp>
+        <p:nvSpPr>
+          <p:cNvPr id="11" name="矩形 10"/>
+          <p:cNvSpPr/>
+          <p:nvPr/>
+        </p:nvSpPr>
+        <p:spPr>
+          <a:xfrm>
+            <a:off x="1021079" y="1120140"/>
+            <a:ext cx="4385807" cy="1524000"/>
+          </a:xfrm>
+          <a:prstGeom prst="rect">
+            <a:avLst/>
+          </a:prstGeom>
+        </p:spPr>
+        <p:style>
+          <a:lnRef idx="1">
+            <a:schemeClr val="accent1"/>
+          </a:lnRef>
+          <a:fillRef idx="2">
+            <a:schemeClr val="accent1"/>
+          </a:fillRef>
+          <a:effectRef idx="1">
+            <a:schemeClr val="accent1"/>
+          </a:effectRef>
+          <a:fontRef idx="minor">
+            <a:schemeClr val="dk1"/>
+          </a:fontRef>
+        </p:style>
+        <p:txBody>
+          <a:bodyPr rtlCol="0" anchor="ctr"/>
+          <a:lstStyle/>
+          <a:p>
+            <a:pPr algn="ctr"/>
+            <a:endParaRPr lang="zh-TW" altLang="en-US"/>
+          </a:p>
+        </p:txBody>
+      </p:sp>
+      <p:sp>
+        <p:nvSpPr>
+          <p:cNvPr id="4" name="雲朵形 3"/>
+          <p:cNvSpPr/>
+          <p:nvPr/>
+        </p:nvSpPr>
+        <p:spPr>
+          <a:xfrm>
+            <a:off x="6493483" y="843331"/>
+            <a:ext cx="3374417" cy="2181809"/>
+          </a:xfrm>
+          <a:prstGeom prst="cloud">
+            <a:avLst/>
+          </a:prstGeom>
+        </p:spPr>
+        <p:style>
+          <a:lnRef idx="2">
+            <a:schemeClr val="accent1"/>
+          </a:lnRef>
+          <a:fillRef idx="1">
+            <a:schemeClr val="lt1"/>
+          </a:fillRef>
+          <a:effectRef idx="0">
+            <a:schemeClr val="accent1"/>
+          </a:effectRef>
+          <a:fontRef idx="minor">
+            <a:schemeClr val="dk1"/>
+          </a:fontRef>
+        </p:style>
+        <p:txBody>
+          <a:bodyPr rtlCol="0" anchor="ctr"/>
+          <a:lstStyle/>
+          <a:p>
+            <a:pPr algn="ctr"/>
+            <a:r>
+              <a:rPr lang="en-US" altLang="zh-TW" dirty="0" smtClean="0"/>
+              <a:t>	API SERVER</a:t>
+            </a:r>
+          </a:p>
+          <a:p>
+            <a:pPr algn="ctr"/>
+            <a:r>
+              <a:rPr lang="en-US" altLang="zh-TW" dirty="0" smtClean="0"/>
+              <a:t>	(Web APP)</a:t>
+            </a:r>
+            <a:endParaRPr lang="zh-TW" altLang="en-US" dirty="0"/>
+          </a:p>
+        </p:txBody>
+      </p:sp>
+      <p:sp>
+        <p:nvSpPr>
+          <p:cNvPr id="5" name="圓角矩形 4"/>
+          <p:cNvSpPr/>
+          <p:nvPr/>
+        </p:nvSpPr>
+        <p:spPr>
+          <a:xfrm>
+            <a:off x="1129004" y="1203649"/>
+            <a:ext cx="2677886" cy="1334278"/>
+          </a:xfrm>
+          <a:prstGeom prst="roundRect">
+            <a:avLst>
+              <a:gd name="adj" fmla="val 13170"/>
+            </a:avLst>
+          </a:prstGeom>
+        </p:spPr>
+        <p:style>
+          <a:lnRef idx="2">
+            <a:schemeClr val="accent1"/>
+          </a:lnRef>
+          <a:fillRef idx="1">
+            <a:schemeClr val="lt1"/>
+          </a:fillRef>
+          <a:effectRef idx="0">
+            <a:schemeClr val="accent1"/>
+          </a:effectRef>
+          <a:fontRef idx="minor">
+            <a:schemeClr val="dk1"/>
+          </a:fontRef>
+        </p:style>
+        <p:txBody>
+          <a:bodyPr rtlCol="0" anchor="ctr"/>
+          <a:lstStyle/>
+          <a:p>
+            <a:pPr algn="ctr"/>
+            <a:r>
+              <a:rPr lang="en-US" altLang="zh-TW" dirty="0" smtClean="0"/>
+              <a:t>Console APP</a:t>
+            </a:r>
+            <a:endParaRPr lang="zh-TW" altLang="en-US" dirty="0"/>
+          </a:p>
+        </p:txBody>
+      </p:sp>
+      <p:sp>
+        <p:nvSpPr>
+          <p:cNvPr id="6" name="圓角矩形 5"/>
+          <p:cNvSpPr/>
+          <p:nvPr/>
+        </p:nvSpPr>
+        <p:spPr>
+          <a:xfrm rot="5400000">
+            <a:off x="3919283" y="1184561"/>
+            <a:ext cx="1334278" cy="1372453"/>
+          </a:xfrm>
+          <a:prstGeom prst="roundRect">
+            <a:avLst/>
+          </a:prstGeom>
+        </p:spPr>
+        <p:style>
+          <a:lnRef idx="2">
+            <a:schemeClr val="accent1"/>
+          </a:lnRef>
+          <a:fillRef idx="1">
+            <a:schemeClr val="lt1"/>
+          </a:fillRef>
+          <a:effectRef idx="0">
+            <a:schemeClr val="accent1"/>
+          </a:effectRef>
+          <a:fontRef idx="minor">
+            <a:schemeClr val="dk1"/>
+          </a:fontRef>
+        </p:style>
+        <p:txBody>
+          <a:bodyPr rtlCol="0" anchor="ctr"/>
+          <a:lstStyle/>
+          <a:p>
+            <a:pPr algn="ctr"/>
+            <a:endParaRPr lang="en-US" altLang="zh-TW" dirty="0" smtClean="0"/>
+          </a:p>
+          <a:p>
+            <a:pPr algn="ctr"/>
+            <a:endParaRPr lang="en-US" altLang="zh-TW" dirty="0"/>
+          </a:p>
+          <a:p>
+            <a:pPr algn="ctr"/>
+            <a:r>
+              <a:rPr lang="en-US" altLang="zh-TW" dirty="0" smtClean="0"/>
+              <a:t>SDK</a:t>
+            </a:r>
+            <a:endParaRPr lang="zh-TW" altLang="en-US" dirty="0"/>
+          </a:p>
+        </p:txBody>
+      </p:sp>
+      <p:sp>
+        <p:nvSpPr>
+          <p:cNvPr id="7" name="向右箭號 6"/>
+          <p:cNvSpPr/>
+          <p:nvPr/>
+        </p:nvSpPr>
+        <p:spPr>
+          <a:xfrm>
+            <a:off x="3708918" y="1455576"/>
+            <a:ext cx="289249" cy="331236"/>
+          </a:xfrm>
+          <a:prstGeom prst="rightArrow">
+            <a:avLst/>
+          </a:prstGeom>
+        </p:spPr>
+        <p:style>
+          <a:lnRef idx="2">
+            <a:schemeClr val="accent6"/>
+          </a:lnRef>
+          <a:fillRef idx="1">
+            <a:schemeClr val="lt1"/>
+          </a:fillRef>
+          <a:effectRef idx="0">
+            <a:schemeClr val="accent6"/>
+          </a:effectRef>
+          <a:fontRef idx="minor">
+            <a:schemeClr val="dk1"/>
+          </a:fontRef>
+        </p:style>
+        <p:txBody>
+          <a:bodyPr rtlCol="0" anchor="ctr"/>
+          <a:lstStyle/>
+          <a:p>
+            <a:pPr algn="ctr"/>
+            <a:endParaRPr lang="zh-TW" altLang="en-US"/>
+          </a:p>
+        </p:txBody>
+      </p:sp>
+      <p:sp>
+        <p:nvSpPr>
+          <p:cNvPr id="8" name="向右箭號 7"/>
+          <p:cNvSpPr/>
+          <p:nvPr/>
+        </p:nvSpPr>
+        <p:spPr>
+          <a:xfrm rot="10800000">
+            <a:off x="3708918" y="1896446"/>
+            <a:ext cx="289249" cy="331236"/>
+          </a:xfrm>
+          <a:prstGeom prst="rightArrow">
+            <a:avLst/>
+          </a:prstGeom>
+        </p:spPr>
+        <p:style>
+          <a:lnRef idx="2">
+            <a:schemeClr val="accent6"/>
+          </a:lnRef>
+          <a:fillRef idx="1">
+            <a:schemeClr val="lt1"/>
+          </a:fillRef>
+          <a:effectRef idx="0">
+            <a:schemeClr val="accent6"/>
+          </a:effectRef>
+          <a:fontRef idx="minor">
+            <a:schemeClr val="dk1"/>
+          </a:fontRef>
+        </p:style>
+        <p:txBody>
+          <a:bodyPr rtlCol="0" anchor="ctr"/>
+          <a:lstStyle/>
+          <a:p>
+            <a:pPr algn="ctr"/>
+            <a:endParaRPr lang="zh-TW" altLang="en-US"/>
+          </a:p>
+        </p:txBody>
+      </p:sp>
+      <p:sp>
+        <p:nvSpPr>
+          <p:cNvPr id="9" name="向右箭號 8"/>
+          <p:cNvSpPr/>
+          <p:nvPr/>
+        </p:nvSpPr>
+        <p:spPr>
+          <a:xfrm>
+            <a:off x="5191524" y="1455576"/>
+            <a:ext cx="1994136" cy="331236"/>
+          </a:xfrm>
+          <a:prstGeom prst="rightArrow">
+            <a:avLst/>
+          </a:prstGeom>
+        </p:spPr>
+        <p:style>
+          <a:lnRef idx="2">
+            <a:schemeClr val="accent6"/>
+          </a:lnRef>
+          <a:fillRef idx="1">
+            <a:schemeClr val="lt1"/>
+          </a:fillRef>
+          <a:effectRef idx="0">
+            <a:schemeClr val="accent6"/>
+          </a:effectRef>
+          <a:fontRef idx="minor">
+            <a:schemeClr val="dk1"/>
+          </a:fontRef>
+        </p:style>
+        <p:txBody>
+          <a:bodyPr rtlCol="0" anchor="ctr"/>
+          <a:lstStyle/>
+          <a:p>
+            <a:pPr algn="ctr"/>
+            <a:endParaRPr lang="zh-TW" altLang="en-US"/>
+          </a:p>
+        </p:txBody>
+      </p:sp>
+      <p:sp>
+        <p:nvSpPr>
+          <p:cNvPr id="10" name="向右箭號 9"/>
+          <p:cNvSpPr/>
+          <p:nvPr/>
+        </p:nvSpPr>
+        <p:spPr>
+          <a:xfrm rot="10800000">
+            <a:off x="5191523" y="1896446"/>
+            <a:ext cx="1994136" cy="331236"/>
+          </a:xfrm>
+          <a:prstGeom prst="rightArrow">
+            <a:avLst/>
+          </a:prstGeom>
+        </p:spPr>
+        <p:style>
+          <a:lnRef idx="2">
+            <a:schemeClr val="accent6"/>
+          </a:lnRef>
+          <a:fillRef idx="1">
+            <a:schemeClr val="lt1"/>
+          </a:fillRef>
+          <a:effectRef idx="0">
+            <a:schemeClr val="accent6"/>
+          </a:effectRef>
+          <a:fontRef idx="minor">
+            <a:schemeClr val="dk1"/>
+          </a:fontRef>
+        </p:style>
+        <p:txBody>
+          <a:bodyPr rtlCol="0" anchor="ctr"/>
+          <a:lstStyle/>
+          <a:p>
+            <a:pPr algn="ctr"/>
+            <a:endParaRPr lang="zh-TW" altLang="en-US"/>
+          </a:p>
+        </p:txBody>
+      </p:sp>
+      <p:sp>
+        <p:nvSpPr>
+          <p:cNvPr id="15" name="圓角矩形 14"/>
+          <p:cNvSpPr/>
+          <p:nvPr/>
+        </p:nvSpPr>
+        <p:spPr>
+          <a:xfrm rot="5400000">
+            <a:off x="4310136" y="1649511"/>
+            <a:ext cx="1186201" cy="465258"/>
+          </a:xfrm>
+          <a:prstGeom prst="roundRect">
+            <a:avLst/>
+          </a:prstGeom>
+          <a:noFill/>
+          <a:ln>
+            <a:prstDash val="dash"/>
+          </a:ln>
+        </p:spPr>
+        <p:style>
+          <a:lnRef idx="2">
+            <a:schemeClr val="accent1"/>
+          </a:lnRef>
+          <a:fillRef idx="1">
+            <a:schemeClr val="lt1"/>
+          </a:fillRef>
+          <a:effectRef idx="0">
+            <a:schemeClr val="accent1"/>
+          </a:effectRef>
+          <a:fontRef idx="minor">
+            <a:schemeClr val="dk1"/>
+          </a:fontRef>
+        </p:style>
+        <p:txBody>
+          <a:bodyPr rtlCol="0" anchor="ctr"/>
+          <a:lstStyle/>
+          <a:p>
+            <a:pPr algn="ctr"/>
+            <a:r>
+              <a:rPr lang="en-US" altLang="zh-TW" dirty="0" smtClean="0"/>
+              <a:t>API Contracts</a:t>
+            </a:r>
+            <a:endParaRPr lang="zh-TW" altLang="en-US" dirty="0"/>
+          </a:p>
+        </p:txBody>
+      </p:sp>
+      <p:sp>
+        <p:nvSpPr>
+          <p:cNvPr id="16" name="圓角矩形 15"/>
+          <p:cNvSpPr/>
+          <p:nvPr/>
+        </p:nvSpPr>
+        <p:spPr>
+          <a:xfrm rot="16200000">
+            <a:off x="6777482" y="1649512"/>
+            <a:ext cx="1186201" cy="465258"/>
+          </a:xfrm>
+          <a:prstGeom prst="roundRect">
+            <a:avLst/>
+          </a:prstGeom>
+          <a:noFill/>
+          <a:ln>
+            <a:prstDash val="dash"/>
+          </a:ln>
+        </p:spPr>
+        <p:style>
+          <a:lnRef idx="2">
+            <a:schemeClr val="accent1"/>
+          </a:lnRef>
+          <a:fillRef idx="1">
+            <a:schemeClr val="lt1"/>
+          </a:fillRef>
+          <a:effectRef idx="0">
+            <a:schemeClr val="accent1"/>
+          </a:effectRef>
+          <a:fontRef idx="minor">
+            <a:schemeClr val="dk1"/>
+          </a:fontRef>
+        </p:style>
+        <p:txBody>
+          <a:bodyPr rtlCol="0" anchor="ctr"/>
+          <a:lstStyle/>
+          <a:p>
+            <a:pPr algn="ctr"/>
+            <a:r>
+              <a:rPr lang="en-US" altLang="zh-TW" dirty="0" smtClean="0"/>
+              <a:t>API Contracts</a:t>
+            </a:r>
+            <a:endParaRPr lang="zh-TW" altLang="en-US" dirty="0"/>
+          </a:p>
+        </p:txBody>
+      </p:sp>
+    </p:spTree>
+    <p:extLst>
+      <p:ext uri="{BB962C8B-B14F-4D97-AF65-F5344CB8AC3E}">
+        <p14:creationId xmlns:p14="http://schemas.microsoft.com/office/powerpoint/2010/main" val="3678398650"/>
+      </p:ext>
+    </p:extLst>
+  </p:cSld>
+  <p:clrMapOvr>
+    <a:masterClrMapping/>
+  </p:clrMapOvr>
+</p:sld>
+</file>
+
+<file path=ppt/slides/slide3.xml><?xml version="1.0" encoding="utf-8"?>
+<p:sld xmlns:a="http://schemas.openxmlformats.org/drawingml/2006/main" xmlns:r="http://schemas.openxmlformats.org/officeDocument/2006/relationships" xmlns:p="http://schemas.openxmlformats.org/presentationml/2006/main">
+  <p:cSld>
+    <p:spTree>
+      <p:nvGrpSpPr>
+        <p:cNvPr id="1" name=""/>
+        <p:cNvGrpSpPr/>
+        <p:nvPr/>
+      </p:nvGrpSpPr>
+      <p:grpSpPr>
+        <a:xfrm>
+          <a:off x="0" y="0"/>
+          <a:ext cx="0" cy="0"/>
+          <a:chOff x="0" y="0"/>
+          <a:chExt cx="0" cy="0"/>
+        </a:xfrm>
+      </p:grpSpPr>
+      <p:sp>
+        <p:nvSpPr>
+          <p:cNvPr id="11" name="矩形 10"/>
+          <p:cNvSpPr/>
+          <p:nvPr/>
+        </p:nvSpPr>
+        <p:spPr>
+          <a:xfrm>
+            <a:off x="1021079" y="1120140"/>
+            <a:ext cx="4385807" cy="1524000"/>
+          </a:xfrm>
+          <a:prstGeom prst="rect">
+            <a:avLst/>
+          </a:prstGeom>
+        </p:spPr>
+        <p:style>
+          <a:lnRef idx="1">
+            <a:schemeClr val="accent1"/>
+          </a:lnRef>
+          <a:fillRef idx="2">
+            <a:schemeClr val="accent1"/>
+          </a:fillRef>
+          <a:effectRef idx="1">
+            <a:schemeClr val="accent1"/>
+          </a:effectRef>
+          <a:fontRef idx="minor">
+            <a:schemeClr val="dk1"/>
+          </a:fontRef>
+        </p:style>
+        <p:txBody>
+          <a:bodyPr rtlCol="0" anchor="ctr"/>
+          <a:lstStyle/>
+          <a:p>
+            <a:pPr algn="ctr"/>
+            <a:endParaRPr lang="zh-TW" altLang="en-US"/>
+          </a:p>
+        </p:txBody>
+      </p:sp>
+      <p:sp>
+        <p:nvSpPr>
+          <p:cNvPr id="4" name="雲朵形 3"/>
+          <p:cNvSpPr/>
+          <p:nvPr/>
+        </p:nvSpPr>
+        <p:spPr>
+          <a:xfrm>
+            <a:off x="6493483" y="843331"/>
+            <a:ext cx="3374417" cy="2181809"/>
+          </a:xfrm>
+          <a:prstGeom prst="cloud">
+            <a:avLst/>
+          </a:prstGeom>
+        </p:spPr>
+        <p:style>
+          <a:lnRef idx="2">
+            <a:schemeClr val="accent1"/>
+          </a:lnRef>
+          <a:fillRef idx="1">
+            <a:schemeClr val="lt1"/>
+          </a:fillRef>
+          <a:effectRef idx="0">
+            <a:schemeClr val="accent1"/>
+          </a:effectRef>
+          <a:fontRef idx="minor">
+            <a:schemeClr val="dk1"/>
+          </a:fontRef>
+        </p:style>
+        <p:txBody>
+          <a:bodyPr rtlCol="0" anchor="ctr"/>
+          <a:lstStyle/>
+          <a:p>
+            <a:pPr algn="ctr"/>
+            <a:r>
+              <a:rPr lang="en-US" altLang="zh-TW" dirty="0" smtClean="0"/>
+              <a:t>	API SERVER</a:t>
+            </a:r>
+          </a:p>
+          <a:p>
+            <a:pPr algn="ctr"/>
+            <a:r>
+              <a:rPr lang="en-US" altLang="zh-TW" dirty="0" smtClean="0"/>
+              <a:t>	(Web APP)</a:t>
+            </a:r>
+            <a:endParaRPr lang="zh-TW" altLang="en-US" dirty="0"/>
+          </a:p>
+        </p:txBody>
+      </p:sp>
+      <p:sp>
+        <p:nvSpPr>
+          <p:cNvPr id="5" name="圓角矩形 4"/>
+          <p:cNvSpPr/>
+          <p:nvPr/>
+        </p:nvSpPr>
+        <p:spPr>
+          <a:xfrm>
+            <a:off x="1129004" y="1203649"/>
+            <a:ext cx="2388636" cy="1334278"/>
+          </a:xfrm>
+          <a:prstGeom prst="roundRect">
+            <a:avLst>
+              <a:gd name="adj" fmla="val 13170"/>
+            </a:avLst>
+          </a:prstGeom>
+        </p:spPr>
+        <p:style>
+          <a:lnRef idx="2">
+            <a:schemeClr val="accent1"/>
+          </a:lnRef>
+          <a:fillRef idx="1">
+            <a:schemeClr val="lt1"/>
+          </a:fillRef>
+          <a:effectRef idx="0">
+            <a:schemeClr val="accent1"/>
+          </a:effectRef>
+          <a:fontRef idx="minor">
+            <a:schemeClr val="dk1"/>
+          </a:fontRef>
+        </p:style>
+        <p:txBody>
+          <a:bodyPr rtlCol="0" anchor="ctr"/>
+          <a:lstStyle/>
+          <a:p>
+            <a:pPr algn="ctr"/>
+            <a:r>
+              <a:rPr lang="en-US" altLang="zh-TW" dirty="0" smtClean="0"/>
+              <a:t>Console APP</a:t>
+            </a:r>
+            <a:endParaRPr lang="zh-TW" altLang="en-US" dirty="0"/>
+          </a:p>
+        </p:txBody>
+      </p:sp>
+      <p:sp>
+        <p:nvSpPr>
+          <p:cNvPr id="6" name="圓角矩形 5"/>
+          <p:cNvSpPr/>
+          <p:nvPr/>
+        </p:nvSpPr>
+        <p:spPr>
+          <a:xfrm rot="5400000">
+            <a:off x="3817864" y="1083142"/>
+            <a:ext cx="1334278" cy="1575292"/>
+          </a:xfrm>
+          <a:prstGeom prst="roundRect">
+            <a:avLst/>
+          </a:prstGeom>
+        </p:spPr>
+        <p:style>
+          <a:lnRef idx="2">
+            <a:schemeClr val="accent1"/>
+          </a:lnRef>
+          <a:fillRef idx="1">
+            <a:schemeClr val="lt1"/>
+          </a:fillRef>
+          <a:effectRef idx="0">
+            <a:schemeClr val="accent1"/>
+          </a:effectRef>
+          <a:fontRef idx="minor">
+            <a:schemeClr val="dk1"/>
+          </a:fontRef>
+        </p:style>
+        <p:txBody>
+          <a:bodyPr rtlCol="0" anchor="ctr"/>
+          <a:lstStyle/>
+          <a:p>
+            <a:pPr algn="ctr"/>
+            <a:r>
+              <a:rPr lang="en-US" altLang="zh-TW" dirty="0" smtClean="0"/>
+              <a:t>SDK</a:t>
+            </a:r>
+            <a:endParaRPr lang="zh-TW" altLang="en-US" dirty="0"/>
+          </a:p>
+        </p:txBody>
+      </p:sp>
+      <p:sp>
+        <p:nvSpPr>
+          <p:cNvPr id="7" name="向右箭號 6"/>
+          <p:cNvSpPr/>
+          <p:nvPr/>
+        </p:nvSpPr>
+        <p:spPr>
+          <a:xfrm>
+            <a:off x="3484559" y="1455576"/>
+            <a:ext cx="289249" cy="331236"/>
+          </a:xfrm>
+          <a:prstGeom prst="rightArrow">
+            <a:avLst/>
+          </a:prstGeom>
+        </p:spPr>
+        <p:style>
+          <a:lnRef idx="2">
+            <a:schemeClr val="accent6"/>
+          </a:lnRef>
+          <a:fillRef idx="1">
+            <a:schemeClr val="lt1"/>
+          </a:fillRef>
+          <a:effectRef idx="0">
+            <a:schemeClr val="accent6"/>
+          </a:effectRef>
+          <a:fontRef idx="minor">
+            <a:schemeClr val="dk1"/>
+          </a:fontRef>
+        </p:style>
+        <p:txBody>
+          <a:bodyPr rtlCol="0" anchor="ctr"/>
+          <a:lstStyle/>
+          <a:p>
+            <a:pPr algn="ctr"/>
+            <a:endParaRPr lang="zh-TW" altLang="en-US"/>
+          </a:p>
+        </p:txBody>
+      </p:sp>
+      <p:sp>
+        <p:nvSpPr>
+          <p:cNvPr id="8" name="向右箭號 7"/>
+          <p:cNvSpPr/>
+          <p:nvPr/>
+        </p:nvSpPr>
+        <p:spPr>
+          <a:xfrm rot="10800000">
+            <a:off x="3484559" y="1896446"/>
+            <a:ext cx="289249" cy="331236"/>
+          </a:xfrm>
+          <a:prstGeom prst="rightArrow">
+            <a:avLst/>
+          </a:prstGeom>
+        </p:spPr>
+        <p:style>
+          <a:lnRef idx="2">
+            <a:schemeClr val="accent6"/>
+          </a:lnRef>
+          <a:fillRef idx="1">
+            <a:schemeClr val="lt1"/>
+          </a:fillRef>
+          <a:effectRef idx="0">
+            <a:schemeClr val="accent6"/>
+          </a:effectRef>
+          <a:fontRef idx="minor">
+            <a:schemeClr val="dk1"/>
+          </a:fontRef>
+        </p:style>
+        <p:txBody>
+          <a:bodyPr rtlCol="0" anchor="ctr"/>
+          <a:lstStyle/>
+          <a:p>
+            <a:pPr algn="ctr"/>
+            <a:endParaRPr lang="zh-TW" altLang="en-US"/>
+          </a:p>
+        </p:txBody>
+      </p:sp>
+      <p:sp>
+        <p:nvSpPr>
+          <p:cNvPr id="9" name="向右箭號 8"/>
+          <p:cNvSpPr/>
+          <p:nvPr/>
+        </p:nvSpPr>
+        <p:spPr>
+          <a:xfrm>
+            <a:off x="5191524" y="1455576"/>
+            <a:ext cx="1994136" cy="331236"/>
+          </a:xfrm>
+          <a:prstGeom prst="rightArrow">
+            <a:avLst/>
+          </a:prstGeom>
+        </p:spPr>
+        <p:style>
+          <a:lnRef idx="2">
+            <a:schemeClr val="accent6"/>
+          </a:lnRef>
+          <a:fillRef idx="1">
+            <a:schemeClr val="lt1"/>
+          </a:fillRef>
+          <a:effectRef idx="0">
+            <a:schemeClr val="accent6"/>
+          </a:effectRef>
+          <a:fontRef idx="minor">
+            <a:schemeClr val="dk1"/>
+          </a:fontRef>
+        </p:style>
+        <p:txBody>
+          <a:bodyPr rtlCol="0" anchor="ctr"/>
+          <a:lstStyle/>
+          <a:p>
+            <a:pPr algn="ctr"/>
+            <a:endParaRPr lang="zh-TW" altLang="en-US"/>
+          </a:p>
+        </p:txBody>
+      </p:sp>
+      <p:sp>
+        <p:nvSpPr>
+          <p:cNvPr id="10" name="向右箭號 9"/>
+          <p:cNvSpPr/>
+          <p:nvPr/>
+        </p:nvSpPr>
+        <p:spPr>
+          <a:xfrm rot="10800000">
+            <a:off x="5191523" y="1896446"/>
+            <a:ext cx="1994136" cy="331236"/>
+          </a:xfrm>
+          <a:prstGeom prst="rightArrow">
+            <a:avLst/>
+          </a:prstGeom>
+        </p:spPr>
+        <p:style>
+          <a:lnRef idx="2">
+            <a:schemeClr val="accent6"/>
+          </a:lnRef>
+          <a:fillRef idx="1">
+            <a:schemeClr val="lt1"/>
+          </a:fillRef>
+          <a:effectRef idx="0">
+            <a:schemeClr val="accent6"/>
+          </a:effectRef>
+          <a:fontRef idx="minor">
+            <a:schemeClr val="dk1"/>
+          </a:fontRef>
+        </p:style>
+        <p:txBody>
+          <a:bodyPr rtlCol="0" anchor="ctr"/>
+          <a:lstStyle/>
+          <a:p>
+            <a:pPr algn="ctr"/>
+            <a:endParaRPr lang="zh-TW" altLang="en-US"/>
+          </a:p>
+        </p:txBody>
+      </p:sp>
+      <p:sp>
+        <p:nvSpPr>
+          <p:cNvPr id="15" name="圓角矩形 14"/>
+          <p:cNvSpPr/>
+          <p:nvPr/>
+        </p:nvSpPr>
+        <p:spPr>
+          <a:xfrm rot="5400000">
+            <a:off x="4310136" y="1649511"/>
+            <a:ext cx="1186201" cy="465258"/>
+          </a:xfrm>
+          <a:prstGeom prst="roundRect">
+            <a:avLst/>
+          </a:prstGeom>
+          <a:noFill/>
+          <a:ln>
+            <a:prstDash val="dash"/>
+          </a:ln>
+        </p:spPr>
+        <p:style>
+          <a:lnRef idx="2">
+            <a:schemeClr val="accent1"/>
+          </a:lnRef>
+          <a:fillRef idx="1">
+            <a:schemeClr val="lt1"/>
+          </a:fillRef>
+          <a:effectRef idx="0">
+            <a:schemeClr val="accent1"/>
+          </a:effectRef>
+          <a:fontRef idx="minor">
+            <a:schemeClr val="dk1"/>
+          </a:fontRef>
+        </p:style>
+        <p:txBody>
+          <a:bodyPr rtlCol="0" anchor="ctr"/>
+          <a:lstStyle/>
+          <a:p>
+            <a:pPr algn="ctr"/>
+            <a:r>
+              <a:rPr lang="en-US" altLang="zh-TW" dirty="0" smtClean="0"/>
+              <a:t>API Contracts</a:t>
+            </a:r>
+            <a:endParaRPr lang="zh-TW" altLang="en-US" dirty="0"/>
+          </a:p>
+        </p:txBody>
+      </p:sp>
+      <p:sp>
+        <p:nvSpPr>
+          <p:cNvPr id="16" name="圓角矩形 15"/>
+          <p:cNvSpPr/>
+          <p:nvPr/>
+        </p:nvSpPr>
+        <p:spPr>
+          <a:xfrm rot="16200000">
+            <a:off x="6777482" y="1649512"/>
+            <a:ext cx="1186201" cy="465258"/>
+          </a:xfrm>
+          <a:prstGeom prst="roundRect">
+            <a:avLst/>
+          </a:prstGeom>
+          <a:noFill/>
+          <a:ln>
+            <a:prstDash val="dash"/>
+          </a:ln>
+        </p:spPr>
+        <p:style>
+          <a:lnRef idx="2">
+            <a:schemeClr val="accent1"/>
+          </a:lnRef>
+          <a:fillRef idx="1">
+            <a:schemeClr val="lt1"/>
+          </a:fillRef>
+          <a:effectRef idx="0">
+            <a:schemeClr val="accent1"/>
+          </a:effectRef>
+          <a:fontRef idx="minor">
+            <a:schemeClr val="dk1"/>
+          </a:fontRef>
+        </p:style>
+        <p:txBody>
+          <a:bodyPr rtlCol="0" anchor="ctr"/>
+          <a:lstStyle/>
+          <a:p>
+            <a:pPr algn="ctr"/>
+            <a:r>
+              <a:rPr lang="en-US" altLang="zh-TW" dirty="0" smtClean="0"/>
+              <a:t>API Contracts</a:t>
+            </a:r>
+            <a:endParaRPr lang="zh-TW" altLang="en-US" dirty="0"/>
+          </a:p>
+        </p:txBody>
+      </p:sp>
+      <p:sp>
+        <p:nvSpPr>
+          <p:cNvPr id="12" name="圓角矩形 11"/>
+          <p:cNvSpPr/>
+          <p:nvPr/>
+        </p:nvSpPr>
+        <p:spPr>
+          <a:xfrm rot="5400000">
+            <a:off x="2620881" y="1649513"/>
+            <a:ext cx="1186201" cy="465258"/>
+          </a:xfrm>
+          <a:prstGeom prst="roundRect">
+            <a:avLst/>
+          </a:prstGeom>
+          <a:noFill/>
+          <a:ln>
+            <a:prstDash val="dash"/>
+          </a:ln>
+        </p:spPr>
+        <p:style>
+          <a:lnRef idx="2">
+            <a:schemeClr val="accent1"/>
+          </a:lnRef>
+          <a:fillRef idx="1">
+            <a:schemeClr val="lt1"/>
+          </a:fillRef>
+          <a:effectRef idx="0">
+            <a:schemeClr val="accent1"/>
+          </a:effectRef>
+          <a:fontRef idx="minor">
+            <a:schemeClr val="dk1"/>
+          </a:fontRef>
+        </p:style>
+        <p:txBody>
+          <a:bodyPr rtlCol="0" anchor="ctr"/>
+          <a:lstStyle/>
+          <a:p>
+            <a:pPr algn="ctr"/>
+            <a:r>
+              <a:rPr lang="en-US" altLang="zh-TW" dirty="0" smtClean="0"/>
+              <a:t>API Contracts</a:t>
+            </a:r>
+            <a:endParaRPr lang="zh-TW" altLang="en-US" dirty="0"/>
+          </a:p>
+        </p:txBody>
+      </p:sp>
+      <p:sp>
+        <p:nvSpPr>
+          <p:cNvPr id="14" name="圓角矩形 13"/>
+          <p:cNvSpPr/>
+          <p:nvPr/>
+        </p:nvSpPr>
+        <p:spPr>
+          <a:xfrm rot="16200000">
+            <a:off x="3468993" y="1649514"/>
+            <a:ext cx="1186201" cy="465258"/>
+          </a:xfrm>
+          <a:prstGeom prst="roundRect">
+            <a:avLst/>
+          </a:prstGeom>
+          <a:noFill/>
+          <a:ln>
+            <a:prstDash val="dash"/>
+          </a:ln>
+        </p:spPr>
+        <p:style>
+          <a:lnRef idx="2">
+            <a:schemeClr val="accent1"/>
+          </a:lnRef>
+          <a:fillRef idx="1">
+            <a:schemeClr val="lt1"/>
+          </a:fillRef>
+          <a:effectRef idx="0">
+            <a:schemeClr val="accent1"/>
+          </a:effectRef>
+          <a:fontRef idx="minor">
+            <a:schemeClr val="dk1"/>
+          </a:fontRef>
+        </p:style>
+        <p:txBody>
+          <a:bodyPr rtlCol="0" anchor="ctr"/>
+          <a:lstStyle/>
+          <a:p>
+            <a:pPr algn="ctr"/>
+            <a:r>
+              <a:rPr lang="en-US" altLang="zh-TW" dirty="0" smtClean="0"/>
+              <a:t>API Contracts</a:t>
+            </a:r>
+            <a:endParaRPr lang="zh-TW" altLang="en-US" dirty="0"/>
+          </a:p>
+        </p:txBody>
+      </p:sp>
+    </p:spTree>
+    <p:extLst>
+      <p:ext uri="{BB962C8B-B14F-4D97-AF65-F5344CB8AC3E}">
+        <p14:creationId xmlns:p14="http://schemas.microsoft.com/office/powerpoint/2010/main" val="3183781075"/>
       </p:ext>
     </p:extLst>
   </p:cSld>
